--- a/LATENT SPACE INDEX/LAPORAN/PRESENTASI/Presentasi_Tugas_kelompok_LSI.pptx
+++ b/LATENT SPACE INDEX/LAPORAN/PRESENTASI/Presentasi_Tugas_kelompok_LSI.pptx
@@ -17,9 +17,10 @@
     <p:sldId id="266" r:id="rId11"/>
     <p:sldId id="267" r:id="rId12"/>
     <p:sldId id="268" r:id="rId13"/>
-    <p:sldId id="269" r:id="rId14"/>
-    <p:sldId id="270" r:id="rId15"/>
-    <p:sldId id="271" r:id="rId16"/>
+    <p:sldId id="272" r:id="rId14"/>
+    <p:sldId id="269" r:id="rId15"/>
+    <p:sldId id="270" r:id="rId16"/>
+    <p:sldId id="271" r:id="rId17"/>
   </p:sldIdLst>
   <p:sldSz cx="12192000" cy="6858000"/>
   <p:notesSz cx="6858000" cy="9144000"/>
@@ -6815,6 +6816,387 @@
       </p:grpSpPr>
       <p:sp>
         <p:nvSpPr>
+          <p:cNvPr id="1044" name="Rectangle 1043">
+            <a:extLst>
+              <a:ext uri="{FF2B5EF4-FFF2-40B4-BE49-F238E27FC236}">
+                <a16:creationId xmlns:a16="http://schemas.microsoft.com/office/drawing/2014/main" id="{5FB946D7-1CA4-446E-8795-007CACFDEB88}"/>
+              </a:ext>
+              <a:ext uri="{C183D7F6-B498-43B3-948B-1728B52AA6E4}">
+                <adec:decorative xmlns:adec="http://schemas.microsoft.com/office/drawing/2017/decorative" val="1"/>
+              </a:ext>
+            </a:extLst>
+          </p:cNvPr>
+          <p:cNvSpPr>
+            <a:spLocks noGrp="1" noRot="1" noChangeAspect="1" noMove="1" noResize="1" noEditPoints="1" noAdjustHandles="1" noChangeArrowheads="1" noChangeShapeType="1" noTextEdit="1"/>
+          </p:cNvSpPr>
+          <p:nvPr>
+            <p:extLst>
+              <p:ext uri="{386F3935-93C4-4BCD-93E2-E3B085C9AB24}">
+                <p16:designElem xmlns:p16="http://schemas.microsoft.com/office/powerpoint/2015/main" val="1"/>
+              </p:ext>
+            </p:extLst>
+          </p:nvPr>
+        </p:nvSpPr>
+        <p:spPr>
+          <a:xfrm>
+            <a:off x="0" y="-3324"/>
+            <a:ext cx="12192000" cy="6861324"/>
+          </a:xfrm>
+          <a:prstGeom prst="rect">
+            <a:avLst/>
+          </a:prstGeom>
+          <a:solidFill>
+            <a:schemeClr val="tx1">
+              <a:lumMod val="75000"/>
+              <a:lumOff val="25000"/>
+            </a:schemeClr>
+          </a:solidFill>
+          <a:ln>
+            <a:noFill/>
+          </a:ln>
+        </p:spPr>
+        <p:style>
+          <a:lnRef idx="2">
+            <a:schemeClr val="accent1">
+              <a:shade val="50000"/>
+            </a:schemeClr>
+          </a:lnRef>
+          <a:fillRef idx="1">
+            <a:schemeClr val="accent1"/>
+          </a:fillRef>
+          <a:effectRef idx="0">
+            <a:schemeClr val="accent1"/>
+          </a:effectRef>
+          <a:fontRef idx="minor">
+            <a:schemeClr val="lt1"/>
+          </a:fontRef>
+        </p:style>
+        <p:txBody>
+          <a:bodyPr rtlCol="0" anchor="ctr"/>
+          <a:lstStyle/>
+          <a:p>
+            <a:pPr marL="0" marR="0" lvl="0" indent="0" algn="ctr" defTabSz="914400" rtl="0" eaLnBrk="1" fontAlgn="auto" latinLnBrk="0" hangingPunct="1">
+              <a:lnSpc>
+                <a:spcPct val="100000"/>
+              </a:lnSpc>
+              <a:spcBef>
+                <a:spcPts val="0"/>
+              </a:spcBef>
+              <a:spcAft>
+                <a:spcPts val="0"/>
+              </a:spcAft>
+              <a:buClrTx/>
+              <a:buSzTx/>
+              <a:buFontTx/>
+              <a:buNone/>
+              <a:tabLst/>
+              <a:defRPr/>
+            </a:pPr>
+            <a:endParaRPr kumimoji="0" lang="en-US" sz="1800" b="0" i="0" u="none" strike="noStrike" kern="1200" cap="none" spc="0" normalizeH="0" baseline="0" noProof="0">
+              <a:ln>
+                <a:noFill/>
+              </a:ln>
+              <a:solidFill>
+                <a:prstClr val="white"/>
+              </a:solidFill>
+              <a:effectLst/>
+              <a:uLnTx/>
+              <a:uFillTx/>
+              <a:latin typeface="Calibri" panose="020F0502020204030204"/>
+              <a:ea typeface="+mn-ea"/>
+              <a:cs typeface="+mn-cs"/>
+            </a:endParaRPr>
+          </a:p>
+        </p:txBody>
+      </p:sp>
+      <p:sp>
+        <p:nvSpPr>
+          <p:cNvPr id="1046" name="Rectangle 1045">
+            <a:extLst>
+              <a:ext uri="{FF2B5EF4-FFF2-40B4-BE49-F238E27FC236}">
+                <a16:creationId xmlns:a16="http://schemas.microsoft.com/office/drawing/2014/main" id="{192416F2-BC84-4D7C-80C6-6296C10C3819}"/>
+              </a:ext>
+              <a:ext uri="{C183D7F6-B498-43B3-948B-1728B52AA6E4}">
+                <adec:decorative xmlns:adec="http://schemas.microsoft.com/office/drawing/2017/decorative" val="1"/>
+              </a:ext>
+            </a:extLst>
+          </p:cNvPr>
+          <p:cNvSpPr>
+            <a:spLocks noGrp="1" noRot="1" noChangeAspect="1" noMove="1" noResize="1" noEditPoints="1" noAdjustHandles="1" noChangeArrowheads="1" noChangeShapeType="1" noTextEdit="1"/>
+          </p:cNvSpPr>
+          <p:nvPr>
+            <p:extLst>
+              <p:ext uri="{386F3935-93C4-4BCD-93E2-E3B085C9AB24}">
+                <p16:designElem xmlns:p16="http://schemas.microsoft.com/office/powerpoint/2015/main" val="1"/>
+              </p:ext>
+            </p:extLst>
+          </p:nvPr>
+        </p:nvSpPr>
+        <p:spPr bwMode="ltGray">
+          <a:xfrm>
+            <a:off x="795338" y="981075"/>
+            <a:ext cx="10601325" cy="4552949"/>
+          </a:xfrm>
+          <a:prstGeom prst="rect">
+            <a:avLst/>
+          </a:prstGeom>
+          <a:solidFill>
+            <a:schemeClr val="bg1"/>
+          </a:solidFill>
+          <a:ln w="127000" cap="sq" cmpd="thinThick">
+            <a:solidFill>
+              <a:schemeClr val="bg1"/>
+            </a:solidFill>
+          </a:ln>
+        </p:spPr>
+        <p:style>
+          <a:lnRef idx="2">
+            <a:schemeClr val="accent1">
+              <a:shade val="50000"/>
+            </a:schemeClr>
+          </a:lnRef>
+          <a:fillRef idx="1">
+            <a:schemeClr val="accent1"/>
+          </a:fillRef>
+          <a:effectRef idx="0">
+            <a:schemeClr val="accent1"/>
+          </a:effectRef>
+          <a:fontRef idx="minor">
+            <a:schemeClr val="lt1"/>
+          </a:fontRef>
+        </p:style>
+        <p:txBody>
+          <a:bodyPr rtlCol="0" anchor="ctr"/>
+          <a:lstStyle/>
+          <a:p>
+            <a:pPr marL="0" marR="0" lvl="0" indent="0" algn="ctr" defTabSz="914400" rtl="0" eaLnBrk="1" fontAlgn="auto" latinLnBrk="0" hangingPunct="1">
+              <a:lnSpc>
+                <a:spcPct val="100000"/>
+              </a:lnSpc>
+              <a:spcBef>
+                <a:spcPts val="0"/>
+              </a:spcBef>
+              <a:spcAft>
+                <a:spcPts val="0"/>
+              </a:spcAft>
+              <a:buClrTx/>
+              <a:buSzTx/>
+              <a:buFontTx/>
+              <a:buNone/>
+              <a:tabLst/>
+              <a:defRPr/>
+            </a:pPr>
+            <a:endParaRPr kumimoji="0" lang="en-US" sz="1800" b="0" i="0" u="none" strike="noStrike" kern="1200" cap="none" spc="0" normalizeH="0" baseline="0" noProof="0" dirty="0">
+              <a:ln>
+                <a:noFill/>
+              </a:ln>
+              <a:solidFill>
+                <a:prstClr val="white"/>
+              </a:solidFill>
+              <a:effectLst/>
+              <a:uLnTx/>
+              <a:uFillTx/>
+              <a:latin typeface="Calibri" panose="020F0502020204030204"/>
+              <a:ea typeface="+mn-ea"/>
+              <a:cs typeface="+mn-cs"/>
+            </a:endParaRPr>
+          </a:p>
+        </p:txBody>
+      </p:sp>
+      <p:sp>
+        <p:nvSpPr>
+          <p:cNvPr id="6" name="TextBox 5">
+            <a:extLst>
+              <a:ext uri="{FF2B5EF4-FFF2-40B4-BE49-F238E27FC236}">
+                <a16:creationId xmlns:a16="http://schemas.microsoft.com/office/drawing/2014/main" id="{E058DE31-E1ED-BE1A-01ED-326A8A71C0B9}"/>
+              </a:ext>
+            </a:extLst>
+          </p:cNvPr>
+          <p:cNvSpPr txBox="1"/>
+          <p:nvPr/>
+        </p:nvSpPr>
+        <p:spPr>
+          <a:xfrm>
+            <a:off x="1537097" y="1428750"/>
+            <a:ext cx="9117807" cy="2105026"/>
+          </a:xfrm>
+          <a:prstGeom prst="rect">
+            <a:avLst/>
+          </a:prstGeom>
+        </p:spPr>
+        <p:txBody>
+          <a:bodyPr vert="horz" lIns="91440" tIns="45720" rIns="91440" bIns="45720" rtlCol="0" anchor="b">
+            <a:normAutofit/>
+          </a:bodyPr>
+          <a:lstStyle/>
+          <a:p>
+            <a:pPr algn="ctr">
+              <a:lnSpc>
+                <a:spcPct val="90000"/>
+              </a:lnSpc>
+              <a:spcBef>
+                <a:spcPct val="0"/>
+              </a:spcBef>
+              <a:spcAft>
+                <a:spcPts val="600"/>
+              </a:spcAft>
+            </a:pPr>
+            <a:r>
+              <a:rPr lang="en-US" sz="6000" b="1" i="1" kern="1200">
+                <a:solidFill>
+                  <a:schemeClr val="tx1"/>
+                </a:solidFill>
+                <a:latin typeface="+mj-lt"/>
+                <a:ea typeface="+mj-ea"/>
+                <a:cs typeface="+mj-cs"/>
+              </a:rPr>
+              <a:t>LSI</a:t>
+            </a:r>
+          </a:p>
+        </p:txBody>
+      </p:sp>
+      <p:cxnSp>
+        <p:nvCxnSpPr>
+          <p:cNvPr id="1048" name="Straight Connector 1047">
+            <a:extLst>
+              <a:ext uri="{FF2B5EF4-FFF2-40B4-BE49-F238E27FC236}">
+                <a16:creationId xmlns:a16="http://schemas.microsoft.com/office/drawing/2014/main" id="{2330623A-AB89-4E04-AC9A-2BAFBF85AE3A}"/>
+              </a:ext>
+              <a:ext uri="{C183D7F6-B498-43B3-948B-1728B52AA6E4}">
+                <adec:decorative xmlns:adec="http://schemas.microsoft.com/office/drawing/2017/decorative" val="1"/>
+              </a:ext>
+            </a:extLst>
+          </p:cNvPr>
+          <p:cNvCxnSpPr>
+            <a:cxnSpLocks noGrp="1" noRot="1" noChangeAspect="1" noMove="1" noResize="1" noEditPoints="1" noAdjustHandles="1" noChangeArrowheads="1" noChangeShapeType="1"/>
+          </p:cNvCxnSpPr>
+          <p:nvPr>
+            <p:extLst>
+              <p:ext uri="{386F3935-93C4-4BCD-93E2-E3B085C9AB24}">
+                <p16:designElem xmlns:p16="http://schemas.microsoft.com/office/powerpoint/2015/main" val="1"/>
+              </p:ext>
+            </p:extLst>
+          </p:nvPr>
+        </p:nvCxnSpPr>
+        <p:spPr>
+          <a:xfrm>
+            <a:off x="3352800" y="3771366"/>
+            <a:ext cx="5486400" cy="0"/>
+          </a:xfrm>
+          <a:prstGeom prst="line">
+            <a:avLst/>
+          </a:prstGeom>
+          <a:ln w="22225">
+            <a:solidFill>
+              <a:schemeClr val="tx1">
+                <a:lumMod val="50000"/>
+                <a:lumOff val="50000"/>
+              </a:schemeClr>
+            </a:solidFill>
+          </a:ln>
+        </p:spPr>
+        <p:style>
+          <a:lnRef idx="1">
+            <a:schemeClr val="accent1"/>
+          </a:lnRef>
+          <a:fillRef idx="0">
+            <a:schemeClr val="accent1"/>
+          </a:fillRef>
+          <a:effectRef idx="0">
+            <a:schemeClr val="accent1"/>
+          </a:effectRef>
+          <a:fontRef idx="minor">
+            <a:schemeClr val="tx1"/>
+          </a:fontRef>
+        </p:style>
+      </p:cxnSp>
+      <p:pic>
+        <p:nvPicPr>
+          <p:cNvPr id="1026" name="Picture 2" descr="Diagram, schematic&#10;&#10;Description automatically generated">
+            <a:extLst>
+              <a:ext uri="{FF2B5EF4-FFF2-40B4-BE49-F238E27FC236}">
+                <a16:creationId xmlns:a16="http://schemas.microsoft.com/office/drawing/2014/main" id="{CC856B43-3755-5050-56EB-1A16538EB449}"/>
+              </a:ext>
+            </a:extLst>
+          </p:cNvPr>
+          <p:cNvPicPr>
+            <a:picLocks noChangeAspect="1" noChangeArrowheads="1"/>
+          </p:cNvPicPr>
+          <p:nvPr/>
+        </p:nvPicPr>
+        <p:blipFill>
+          <a:blip r:embed="rId2">
+            <a:extLst>
+              <a:ext uri="{28A0092B-C50C-407E-A947-70E740481C1C}">
+                <a14:useLocalDpi xmlns:a14="http://schemas.microsoft.com/office/drawing/2010/main" val="0"/>
+              </a:ext>
+            </a:extLst>
+          </a:blip>
+          <a:srcRect/>
+          <a:stretch>
+            <a:fillRect/>
+          </a:stretch>
+        </p:blipFill>
+        <p:spPr bwMode="auto">
+          <a:xfrm>
+            <a:off x="10767472" y="76472"/>
+            <a:ext cx="1143436" cy="1151164"/>
+          </a:xfrm>
+          <a:prstGeom prst="rect">
+            <a:avLst/>
+          </a:prstGeom>
+          <a:noFill/>
+          <a:extLst>
+            <a:ext uri="{909E8E84-426E-40DD-AFC4-6F175D3DCCD1}">
+              <a14:hiddenFill xmlns:a14="http://schemas.microsoft.com/office/drawing/2010/main">
+                <a:solidFill>
+                  <a:srgbClr val="FFFFFF"/>
+                </a:solidFill>
+              </a14:hiddenFill>
+            </a:ext>
+          </a:extLst>
+        </p:spPr>
+      </p:pic>
+    </p:spTree>
+    <p:extLst>
+      <p:ext uri="{BB962C8B-B14F-4D97-AF65-F5344CB8AC3E}">
+        <p14:creationId xmlns:p14="http://schemas.microsoft.com/office/powerpoint/2010/main" val="2947018709"/>
+      </p:ext>
+    </p:extLst>
+  </p:cSld>
+  <p:clrMapOvr>
+    <a:masterClrMapping/>
+  </p:clrMapOvr>
+</p:sld>
+</file>
+
+<file path=ppt/slides/slide14.xml><?xml version="1.0" encoding="utf-8"?>
+<p:sld xmlns:a="http://schemas.openxmlformats.org/drawingml/2006/main" xmlns:r="http://schemas.openxmlformats.org/officeDocument/2006/relationships" xmlns:p="http://schemas.openxmlformats.org/presentationml/2006/main">
+  <p:cSld>
+    <p:bg>
+      <p:bgPr>
+        <a:solidFill>
+          <a:schemeClr val="bg1"/>
+        </a:solidFill>
+        <a:effectLst/>
+      </p:bgPr>
+    </p:bg>
+    <p:spTree>
+      <p:nvGrpSpPr>
+        <p:cNvPr id="1" name=""/>
+        <p:cNvGrpSpPr/>
+        <p:nvPr/>
+      </p:nvGrpSpPr>
+      <p:grpSpPr>
+        <a:xfrm>
+          <a:off x="0" y="0"/>
+          <a:ext cx="0" cy="0"/>
+          <a:chOff x="0" y="0"/>
+          <a:chExt cx="0" cy="0"/>
+        </a:xfrm>
+      </p:grpSpPr>
+      <p:sp>
+        <p:nvSpPr>
           <p:cNvPr id="1031" name="Rectangle 1030">
             <a:extLst>
               <a:ext uri="{FF2B5EF4-FFF2-40B4-BE49-F238E27FC236}">
@@ -7488,7 +7870,7 @@
 </p:sld>
 </file>
 
-<file path=ppt/slides/slide14.xml><?xml version="1.0" encoding="utf-8"?>
+<file path=ppt/slides/slide15.xml><?xml version="1.0" encoding="utf-8"?>
 <p:sld xmlns:a="http://schemas.openxmlformats.org/drawingml/2006/main" xmlns:r="http://schemas.openxmlformats.org/officeDocument/2006/relationships" xmlns:p="http://schemas.openxmlformats.org/presentationml/2006/main">
   <p:cSld>
     <p:bg>
@@ -8481,7 +8863,7 @@
 </p:sld>
 </file>
 
-<file path=ppt/slides/slide15.xml><?xml version="1.0" encoding="utf-8"?>
+<file path=ppt/slides/slide16.xml><?xml version="1.0" encoding="utf-8"?>
 <p:sld xmlns:a="http://schemas.openxmlformats.org/drawingml/2006/main" xmlns:r="http://schemas.openxmlformats.org/officeDocument/2006/relationships" xmlns:p="http://schemas.openxmlformats.org/presentationml/2006/main">
   <p:cSld>
     <p:bg>
